--- a/intro to loopback.pptx
+++ b/intro to loopback.pptx
@@ -15620,6 +15620,16 @@
               <a:buFont typeface="Arial" panose="020B0604020202020204" pitchFamily="34" charset="0"/>
               <a:buChar char="•"/>
             </a:pPr>
+            <a:r>
+              <a:rPr lang="en-US" sz="2400" dirty="0"/>
+              <a:t>This deck plus demos: https://github.com/StrongLoop-Evangelists/preso-intro-loopback</a:t>
+            </a:r>
+          </a:p>
+          <a:p>
+            <a:pPr marL="285750" indent="-285750">
+              <a:buFont typeface="Arial" panose="020B0604020202020204" pitchFamily="34" charset="0"/>
+              <a:buChar char="•"/>
+            </a:pPr>
             <a:endParaRPr lang="en-US" sz="2400" dirty="0"/>
           </a:p>
         </p:txBody>
@@ -15769,6 +15779,55 @@
                                           <p:spTgt spid="5">
                                             <p:txEl>
                                               <p:pRg st="2" end="2"/>
+                                            </p:txEl>
+                                          </p:spTgt>
+                                        </p:tgtEl>
+                                        <p:attrNameLst>
+                                          <p:attrName>style.visibility</p:attrName>
+                                        </p:attrNameLst>
+                                      </p:cBhvr>
+                                      <p:to>
+                                        <p:strVal val="visible"/>
+                                      </p:to>
+                                    </p:set>
+                                  </p:childTnLst>
+                                </p:cTn>
+                              </p:par>
+                            </p:childTnLst>
+                          </p:cTn>
+                        </p:par>
+                      </p:childTnLst>
+                    </p:cTn>
+                  </p:par>
+                  <p:par>
+                    <p:cTn id="15" fill="hold">
+                      <p:stCondLst>
+                        <p:cond delay="indefinite"/>
+                      </p:stCondLst>
+                      <p:childTnLst>
+                        <p:par>
+                          <p:cTn id="16" fill="hold">
+                            <p:stCondLst>
+                              <p:cond delay="0"/>
+                            </p:stCondLst>
+                            <p:childTnLst>
+                              <p:par>
+                                <p:cTn id="17" presetID="1" presetClass="entr" presetSubtype="0" fill="hold" nodeType="clickEffect">
+                                  <p:stCondLst>
+                                    <p:cond delay="0"/>
+                                  </p:stCondLst>
+                                  <p:childTnLst>
+                                    <p:set>
+                                      <p:cBhvr>
+                                        <p:cTn id="18" dur="1" fill="hold">
+                                          <p:stCondLst>
+                                            <p:cond delay="0"/>
+                                          </p:stCondLst>
+                                        </p:cTn>
+                                        <p:tgtEl>
+                                          <p:spTgt spid="5">
+                                            <p:txEl>
+                                              <p:pRg st="3" end="3"/>
                                             </p:txEl>
                                           </p:spTgt>
                                         </p:tgtEl>

--- a/intro to loopback.pptx
+++ b/intro to loopback.pptx
@@ -5,10 +5,10 @@
     <p:sldMasterId id="2147483648" r:id="rId1"/>
   </p:sldMasterIdLst>
   <p:notesMasterIdLst>
-    <p:notesMasterId r:id="rId33"/>
+    <p:notesMasterId r:id="rId34"/>
   </p:notesMasterIdLst>
   <p:handoutMasterIdLst>
-    <p:handoutMasterId r:id="rId34"/>
+    <p:handoutMasterId r:id="rId35"/>
   </p:handoutMasterIdLst>
   <p:sldIdLst>
     <p:sldId id="280" r:id="rId2"/>
@@ -38,10 +38,11 @@
     <p:sldId id="330" r:id="rId26"/>
     <p:sldId id="331" r:id="rId27"/>
     <p:sldId id="332" r:id="rId28"/>
-    <p:sldId id="333" r:id="rId29"/>
-    <p:sldId id="307" r:id="rId30"/>
-    <p:sldId id="304" r:id="rId31"/>
-    <p:sldId id="295" r:id="rId32"/>
+    <p:sldId id="334" r:id="rId29"/>
+    <p:sldId id="333" r:id="rId30"/>
+    <p:sldId id="307" r:id="rId31"/>
+    <p:sldId id="304" r:id="rId32"/>
+    <p:sldId id="295" r:id="rId33"/>
   </p:sldIdLst>
   <p:sldSz cx="12192000" cy="6858000"/>
   <p:notesSz cx="6858000" cy="9144000"/>
@@ -244,7 +245,7 @@
           <a:p>
             <a:fld id="{AC64624D-466C-2042-8A0A-5AA56DE2DC64}" type="datetimeFigureOut">
               <a:rPr lang="en-US" smtClean="0"/>
-              <a:t>3/21/2017</a:t>
+              <a:t>3/22/2017</a:t>
             </a:fld>
             <a:endParaRPr lang="en-US" dirty="0"/>
           </a:p>
@@ -409,7 +410,7 @@
           <a:p>
             <a:fld id="{A760D7BC-41EB-DC45-939C-558E874D2743}" type="datetimeFigureOut">
               <a:rPr lang="en-US" smtClean="0"/>
-              <a:t>3/21/2017</a:t>
+              <a:t>3/22/2017</a:t>
             </a:fld>
             <a:endParaRPr lang="en-US" dirty="0"/>
           </a:p>
@@ -1086,7 +1087,7 @@
             <a:fld id="{CD911897-AAF5-9F48-8CFE-C7A0C3E8F556}" type="datetime1">
               <a:rPr lang="en-US" smtClean="0"/>
               <a:pPr/>
-              <a:t>3/21/2017</a:t>
+              <a:t>3/22/2017</a:t>
             </a:fld>
             <a:endParaRPr lang="en-US" dirty="0"/>
           </a:p>
@@ -1695,7 +1696,7 @@
             <a:fld id="{CD911897-AAF5-9F48-8CFE-C7A0C3E8F556}" type="datetime1">
               <a:rPr lang="en-US" smtClean="0"/>
               <a:pPr/>
-              <a:t>3/21/2017</a:t>
+              <a:t>3/22/2017</a:t>
             </a:fld>
             <a:endParaRPr lang="en-US" dirty="0"/>
           </a:p>
@@ -2063,7 +2064,7 @@
             <a:fld id="{CD911897-AAF5-9F48-8CFE-C7A0C3E8F556}" type="datetime1">
               <a:rPr lang="en-US" smtClean="0"/>
               <a:pPr/>
-              <a:t>3/21/2017</a:t>
+              <a:t>3/22/2017</a:t>
             </a:fld>
             <a:endParaRPr lang="en-US" dirty="0"/>
           </a:p>
@@ -2421,7 +2422,7 @@
             <a:fld id="{CD911897-AAF5-9F48-8CFE-C7A0C3E8F556}" type="datetime1">
               <a:rPr lang="en-US" smtClean="0"/>
               <a:pPr/>
-              <a:t>3/21/2017</a:t>
+              <a:t>3/22/2017</a:t>
             </a:fld>
             <a:endParaRPr lang="en-US" dirty="0"/>
           </a:p>
@@ -3158,7 +3159,7 @@
             <a:fld id="{CD911897-AAF5-9F48-8CFE-C7A0C3E8F556}" type="datetime1">
               <a:rPr lang="en-US" smtClean="0"/>
               <a:pPr/>
-              <a:t>3/21/2017</a:t>
+              <a:t>3/22/2017</a:t>
             </a:fld>
             <a:endParaRPr lang="en-US" dirty="0"/>
           </a:p>
@@ -3327,7 +3328,7 @@
             <a:fld id="{CD911897-AAF5-9F48-8CFE-C7A0C3E8F556}" type="datetime1">
               <a:rPr lang="en-US" smtClean="0"/>
               <a:pPr/>
-              <a:t>3/21/2017</a:t>
+              <a:t>3/22/2017</a:t>
             </a:fld>
             <a:endParaRPr lang="en-US" dirty="0"/>
           </a:p>
@@ -3737,7 +3738,7 @@
             <a:fld id="{CD911897-AAF5-9F48-8CFE-C7A0C3E8F556}" type="datetime1">
               <a:rPr lang="en-US" smtClean="0"/>
               <a:pPr/>
-              <a:t>3/21/2017</a:t>
+              <a:t>3/22/2017</a:t>
             </a:fld>
             <a:endParaRPr lang="en-US" dirty="0"/>
           </a:p>
@@ -3882,7 +3883,7 @@
             <a:fld id="{CD911897-AAF5-9F48-8CFE-C7A0C3E8F556}" type="datetime1">
               <a:rPr lang="en-US" smtClean="0"/>
               <a:pPr/>
-              <a:t>3/21/2017</a:t>
+              <a:t>3/22/2017</a:t>
             </a:fld>
             <a:endParaRPr lang="en-US" dirty="0"/>
           </a:p>
@@ -6739,7 +6740,7 @@
             <a:fld id="{CD911897-AAF5-9F48-8CFE-C7A0C3E8F556}" type="datetime1">
               <a:rPr lang="en-US" smtClean="0"/>
               <a:pPr/>
-              <a:t>3/21/2017</a:t>
+              <a:t>3/22/2017</a:t>
             </a:fld>
             <a:endParaRPr lang="en-US" dirty="0"/>
           </a:p>
@@ -9637,7 +9638,7 @@
             <a:fld id="{CD911897-AAF5-9F48-8CFE-C7A0C3E8F556}" type="datetime1">
               <a:rPr lang="en-US" smtClean="0"/>
               <a:pPr/>
-              <a:t>3/21/2017</a:t>
+              <a:t>3/22/2017</a:t>
             </a:fld>
             <a:endParaRPr lang="en-US" dirty="0"/>
           </a:p>
@@ -9914,7 +9915,7 @@
             <a:fld id="{CD911897-AAF5-9F48-8CFE-C7A0C3E8F556}" type="datetime1">
               <a:rPr lang="en-US" smtClean="0"/>
               <a:pPr/>
-              <a:t>3/21/2017</a:t>
+              <a:t>3/22/2017</a:t>
             </a:fld>
             <a:endParaRPr lang="en-US" dirty="0"/>
           </a:p>
@@ -10235,7 +10236,7 @@
             <a:fld id="{CD911897-AAF5-9F48-8CFE-C7A0C3E8F556}" type="datetime1">
               <a:rPr lang="en-US" smtClean="0"/>
               <a:pPr/>
-              <a:t>3/21/2017</a:t>
+              <a:t>3/22/2017</a:t>
             </a:fld>
             <a:endParaRPr lang="en-US" dirty="0"/>
           </a:p>
@@ -10508,7 +10509,7 @@
           <a:p>
             <a:fld id="{CD911897-AAF5-9F48-8CFE-C7A0C3E8F556}" type="datetime1">
               <a:rPr lang="en-US" smtClean="0"/>
-              <a:t>3/21/2017</a:t>
+              <a:t>3/22/2017</a:t>
             </a:fld>
             <a:endParaRPr lang="en-US" dirty="0"/>
           </a:p>
@@ -10925,7 +10926,7 @@
             <a:fld id="{CD911897-AAF5-9F48-8CFE-C7A0C3E8F556}" type="datetime1">
               <a:rPr lang="en-US" smtClean="0"/>
               <a:pPr/>
-              <a:t>3/21/2017</a:t>
+              <a:t>3/22/2017</a:t>
             </a:fld>
             <a:endParaRPr lang="en-US" dirty="0"/>
           </a:p>
@@ -11003,7 +11004,7 @@
             <a:fld id="{CD911897-AAF5-9F48-8CFE-C7A0C3E8F556}" type="datetime1">
               <a:rPr lang="en-US" smtClean="0"/>
               <a:pPr/>
-              <a:t>3/21/2017</a:t>
+              <a:t>3/22/2017</a:t>
             </a:fld>
             <a:endParaRPr lang="en-US" dirty="0"/>
           </a:p>
@@ -11450,7 +11451,7 @@
             <a:fld id="{CD911897-AAF5-9F48-8CFE-C7A0C3E8F556}" type="datetime1">
               <a:rPr lang="en-US" smtClean="0"/>
               <a:pPr/>
-              <a:t>3/21/2017</a:t>
+              <a:t>3/22/2017</a:t>
             </a:fld>
             <a:endParaRPr lang="en-US" dirty="0"/>
           </a:p>
@@ -11552,7 +11553,7 @@
             <a:fld id="{CD911897-AAF5-9F48-8CFE-C7A0C3E8F556}" type="datetime1">
               <a:rPr lang="en-US" smtClean="0"/>
               <a:pPr/>
-              <a:t>3/21/2017</a:t>
+              <a:t>3/22/2017</a:t>
             </a:fld>
             <a:endParaRPr lang="en-US" dirty="0"/>
           </a:p>
@@ -11887,7 +11888,7 @@
             <a:fld id="{CD911897-AAF5-9F48-8CFE-C7A0C3E8F556}" type="datetime1">
               <a:rPr lang="en-US" smtClean="0"/>
               <a:pPr/>
-              <a:t>3/21/2017</a:t>
+              <a:t>3/22/2017</a:t>
             </a:fld>
             <a:endParaRPr lang="en-US" dirty="0"/>
           </a:p>
@@ -11994,7 +11995,7 @@
             <a:fld id="{CD911897-AAF5-9F48-8CFE-C7A0C3E8F556}" type="datetime1">
               <a:rPr lang="en-US" smtClean="0"/>
               <a:pPr/>
-              <a:t>3/21/2017</a:t>
+              <a:t>3/22/2017</a:t>
             </a:fld>
             <a:endParaRPr lang="en-US" dirty="0"/>
           </a:p>
@@ -12519,7 +12520,7 @@
             <a:fld id="{CD911897-AAF5-9F48-8CFE-C7A0C3E8F556}" type="datetime1">
               <a:rPr lang="en-US" smtClean="0"/>
               <a:pPr/>
-              <a:t>3/21/2017</a:t>
+              <a:t>3/22/2017</a:t>
             </a:fld>
             <a:endParaRPr lang="en-US" dirty="0"/>
           </a:p>
@@ -12916,7 +12917,7 @@
             <a:fld id="{CD911897-AAF5-9F48-8CFE-C7A0C3E8F556}" type="datetime1">
               <a:rPr lang="en-US" smtClean="0"/>
               <a:pPr/>
-              <a:t>3/21/2017</a:t>
+              <a:t>3/22/2017</a:t>
             </a:fld>
             <a:endParaRPr lang="en-US" dirty="0"/>
           </a:p>
@@ -13023,7 +13024,7 @@
             <a:fld id="{CD911897-AAF5-9F48-8CFE-C7A0C3E8F556}" type="datetime1">
               <a:rPr lang="en-US" smtClean="0"/>
               <a:pPr/>
-              <a:t>3/21/2017</a:t>
+              <a:t>3/22/2017</a:t>
             </a:fld>
             <a:endParaRPr lang="en-US" dirty="0"/>
           </a:p>
@@ -13500,7 +13501,7 @@
             <a:fld id="{CD911897-AAF5-9F48-8CFE-C7A0C3E8F556}" type="datetime1">
               <a:rPr lang="en-US" smtClean="0"/>
               <a:pPr/>
-              <a:t>3/21/2017</a:t>
+              <a:t>3/22/2017</a:t>
             </a:fld>
             <a:endParaRPr lang="en-US" dirty="0"/>
           </a:p>
@@ -13629,7 +13630,7 @@
             <a:fld id="{CD911897-AAF5-9F48-8CFE-C7A0C3E8F556}" type="datetime1">
               <a:rPr lang="en-US" smtClean="0"/>
               <a:pPr/>
-              <a:t>3/21/2017</a:t>
+              <a:t>3/22/2017</a:t>
             </a:fld>
             <a:endParaRPr lang="en-US" dirty="0"/>
           </a:p>
@@ -13707,7 +13708,7 @@
             <a:fld id="{CD911897-AAF5-9F48-8CFE-C7A0C3E8F556}" type="datetime1">
               <a:rPr lang="en-US" smtClean="0"/>
               <a:pPr/>
-              <a:t>3/21/2017</a:t>
+              <a:t>3/22/2017</a:t>
             </a:fld>
             <a:endParaRPr lang="en-US" dirty="0"/>
           </a:p>
@@ -13943,7 +13944,7 @@
             <a:fld id="{CD911897-AAF5-9F48-8CFE-C7A0C3E8F556}" type="datetime1">
               <a:rPr lang="en-US" smtClean="0"/>
               <a:pPr/>
-              <a:t>3/21/2017</a:t>
+              <a:t>3/22/2017</a:t>
             </a:fld>
             <a:endParaRPr lang="en-US" dirty="0"/>
           </a:p>
@@ -14049,7 +14050,7 @@
             <a:fld id="{CD911897-AAF5-9F48-8CFE-C7A0C3E8F556}" type="datetime1">
               <a:rPr lang="en-US" smtClean="0"/>
               <a:pPr/>
-              <a:t>3/21/2017</a:t>
+              <a:t>3/22/2017</a:t>
             </a:fld>
             <a:endParaRPr lang="en-US" dirty="0"/>
           </a:p>
@@ -14155,7 +14156,7 @@
             <a:fld id="{CD911897-AAF5-9F48-8CFE-C7A0C3E8F556}" type="datetime1">
               <a:rPr lang="en-US" smtClean="0"/>
               <a:pPr/>
-              <a:t>3/21/2017</a:t>
+              <a:t>3/22/2017</a:t>
             </a:fld>
             <a:endParaRPr lang="en-US" dirty="0"/>
           </a:p>
@@ -14603,7 +14604,7 @@
             <a:fld id="{CD911897-AAF5-9F48-8CFE-C7A0C3E8F556}" type="datetime1">
               <a:rPr lang="en-US" smtClean="0"/>
               <a:pPr/>
-              <a:t>3/21/2017</a:t>
+              <a:t>3/22/2017</a:t>
             </a:fld>
             <a:endParaRPr lang="en-US" dirty="0"/>
           </a:p>
@@ -14710,7 +14711,7 @@
             <a:fld id="{CD911897-AAF5-9F48-8CFE-C7A0C3E8F556}" type="datetime1">
               <a:rPr lang="en-US" smtClean="0"/>
               <a:pPr/>
-              <a:t>3/21/2017</a:t>
+              <a:t>3/22/2017</a:t>
             </a:fld>
             <a:endParaRPr lang="en-US" dirty="0"/>
           </a:p>
@@ -15099,7 +15100,7 @@
             <a:fld id="{CD911897-AAF5-9F48-8CFE-C7A0C3E8F556}" type="datetime1">
               <a:rPr lang="en-US" smtClean="0"/>
               <a:pPr/>
-              <a:t>3/21/2017</a:t>
+              <a:t>3/22/2017</a:t>
             </a:fld>
             <a:endParaRPr lang="en-US" dirty="0"/>
           </a:p>
@@ -15206,7 +15207,7 @@
             <a:fld id="{CD911897-AAF5-9F48-8CFE-C7A0C3E8F556}" type="datetime1">
               <a:rPr lang="en-US" smtClean="0"/>
               <a:pPr/>
-              <a:t>3/21/2017</a:t>
+              <a:t>3/22/2017</a:t>
             </a:fld>
             <a:endParaRPr lang="en-US" dirty="0"/>
           </a:p>
@@ -15536,7 +15537,7 @@
             <a:fld id="{CD911897-AAF5-9F48-8CFE-C7A0C3E8F556}" type="datetime1">
               <a:rPr lang="en-US" smtClean="0"/>
               <a:pPr/>
-              <a:t>3/21/2017</a:t>
+              <a:t>3/22/2017</a:t>
             </a:fld>
             <a:endParaRPr lang="en-US" dirty="0"/>
           </a:p>
@@ -15932,7 +15933,209 @@
             <a:fld id="{CD911897-AAF5-9F48-8CFE-C7A0C3E8F556}" type="datetime1">
               <a:rPr lang="en-US" smtClean="0"/>
               <a:pPr/>
-              <a:t>3/21/2017</a:t>
+              <a:t>3/22/2017</a:t>
+            </a:fld>
+            <a:endParaRPr lang="en-US" dirty="0"/>
+          </a:p>
+        </p:txBody>
+      </p:sp>
+      <p:sp>
+        <p:nvSpPr>
+          <p:cNvPr id="6" name="Picture Placeholder 5"/>
+          <p:cNvSpPr>
+            <a:spLocks noGrp="1"/>
+          </p:cNvSpPr>
+          <p:nvPr>
+            <p:ph type="pic" sz="quarter" idx="13"/>
+          </p:nvPr>
+        </p:nvSpPr>
+        <p:spPr>
+          <a:solidFill>
+            <a:schemeClr val="bg1"/>
+          </a:solidFill>
+        </p:spPr>
+      </p:sp>
+      <p:pic>
+        <p:nvPicPr>
+          <p:cNvPr id="1030" name="Picture 6" descr="https://strongloop.com/wp-content/uploads/2016/03/API-Connect_logo-2-e1457953111945.png"/>
+          <p:cNvPicPr>
+            <a:picLocks noChangeAspect="1" noChangeArrowheads="1"/>
+          </p:cNvPicPr>
+          <p:nvPr/>
+        </p:nvPicPr>
+        <p:blipFill>
+          <a:blip r:embed="rId2">
+            <a:extLst>
+              <a:ext uri="{28A0092B-C50C-407E-A947-70E740481C1C}">
+                <a14:useLocalDpi xmlns:a14="http://schemas.microsoft.com/office/drawing/2010/main" val="0"/>
+              </a:ext>
+            </a:extLst>
+          </a:blip>
+          <a:srcRect/>
+          <a:stretch>
+            <a:fillRect/>
+          </a:stretch>
+        </p:blipFill>
+        <p:spPr bwMode="auto">
+          <a:xfrm>
+            <a:off x="2100021" y="448117"/>
+            <a:ext cx="7981088" cy="5220821"/>
+          </a:xfrm>
+          <a:prstGeom prst="rect">
+            <a:avLst/>
+          </a:prstGeom>
+          <a:noFill/>
+          <a:extLst>
+            <a:ext uri="{909E8E84-426E-40DD-AFC4-6F175D3DCCD1}">
+              <a14:hiddenFill xmlns:a14="http://schemas.microsoft.com/office/drawing/2010/main">
+                <a:solidFill>
+                  <a:srgbClr val="FFFFFF"/>
+                </a:solidFill>
+              </a14:hiddenFill>
+            </a:ext>
+          </a:extLst>
+        </p:spPr>
+      </p:pic>
+      <p:sp>
+        <p:nvSpPr>
+          <p:cNvPr id="8" name="TextBox 7"/>
+          <p:cNvSpPr txBox="1"/>
+          <p:nvPr/>
+        </p:nvSpPr>
+        <p:spPr>
+          <a:xfrm flipV="1">
+            <a:off x="4269219" y="5668938"/>
+            <a:ext cx="4693112" cy="459359"/>
+          </a:xfrm>
+          <a:prstGeom prst="rect">
+            <a:avLst/>
+          </a:prstGeom>
+        </p:spPr>
+        <p:txBody>
+          <a:bodyPr vert="horz" wrap="square" lIns="91440" tIns="45720" rIns="91440" bIns="45720" rtlCol="0" anchor="t" anchorCtr="0">
+            <a:noAutofit/>
+          </a:bodyPr>
+          <a:lstStyle/>
+          <a:p>
+            <a:pPr>
+              <a:lnSpc>
+                <a:spcPct val="90000"/>
+              </a:lnSpc>
+              <a:spcBef>
+                <a:spcPts val="1000"/>
+              </a:spcBef>
+            </a:pPr>
+            <a:endParaRPr lang="en-US" sz="2500" dirty="0"/>
+          </a:p>
+        </p:txBody>
+      </p:sp>
+      <p:sp>
+        <p:nvSpPr>
+          <p:cNvPr id="9" name="Rectangle 8"/>
+          <p:cNvSpPr/>
+          <p:nvPr/>
+        </p:nvSpPr>
+        <p:spPr>
+          <a:xfrm>
+            <a:off x="2559886" y="5777913"/>
+            <a:ext cx="7061357" cy="584775"/>
+          </a:xfrm>
+          <a:prstGeom prst="rect">
+            <a:avLst/>
+          </a:prstGeom>
+        </p:spPr>
+        <p:txBody>
+          <a:bodyPr wrap="none">
+            <a:spAutoFit/>
+          </a:bodyPr>
+          <a:lstStyle/>
+          <a:p>
+            <a:r>
+              <a:rPr lang="en-US" sz="3200" dirty="0">
+                <a:solidFill>
+                  <a:srgbClr val="006621"/>
+                </a:solidFill>
+                <a:latin typeface="arial" panose="020B0604020202020204" pitchFamily="34" charset="0"/>
+              </a:rPr>
+              <a:t>https://developer.ibm.com/apiconnect/</a:t>
+            </a:r>
+            <a:endParaRPr lang="en-US" sz="3200" dirty="0"/>
+          </a:p>
+        </p:txBody>
+      </p:sp>
+    </p:spTree>
+    <p:extLst>
+      <p:ext uri="{BB962C8B-B14F-4D97-AF65-F5344CB8AC3E}">
+        <p14:creationId xmlns:p14="http://schemas.microsoft.com/office/powerpoint/2010/main" val="181368907"/>
+      </p:ext>
+    </p:extLst>
+  </p:cSld>
+  <p:clrMapOvr>
+    <a:masterClrMapping/>
+  </p:clrMapOvr>
+</p:sld>
+</file>
+
+<file path=ppt/slides/slide29.xml><?xml version="1.0" encoding="utf-8"?>
+<p:sld xmlns:a="http://schemas.openxmlformats.org/drawingml/2006/main" xmlns:r="http://schemas.openxmlformats.org/officeDocument/2006/relationships" xmlns:p="http://schemas.openxmlformats.org/presentationml/2006/main">
+  <p:cSld>
+    <p:spTree>
+      <p:nvGrpSpPr>
+        <p:cNvPr id="1" name=""/>
+        <p:cNvGrpSpPr/>
+        <p:nvPr/>
+      </p:nvGrpSpPr>
+      <p:grpSpPr>
+        <a:xfrm>
+          <a:off x="0" y="0"/>
+          <a:ext cx="0" cy="0"/>
+          <a:chOff x="0" y="0"/>
+          <a:chExt cx="0" cy="0"/>
+        </a:xfrm>
+      </p:grpSpPr>
+      <p:sp>
+        <p:nvSpPr>
+          <p:cNvPr id="3" name="Slide Number Placeholder 2"/>
+          <p:cNvSpPr>
+            <a:spLocks noGrp="1"/>
+          </p:cNvSpPr>
+          <p:nvPr>
+            <p:ph type="sldNum" sz="quarter" idx="4"/>
+          </p:nvPr>
+        </p:nvSpPr>
+        <p:spPr/>
+        <p:txBody>
+          <a:bodyPr/>
+          <a:lstStyle/>
+          <a:p>
+            <a:fld id="{64A8A213-8E92-D94A-82D7-8578C89CAF17}" type="slidenum">
+              <a:rPr lang="en-US" smtClean="0"/>
+              <a:pPr/>
+              <a:t>29</a:t>
+            </a:fld>
+            <a:endParaRPr lang="en-US" dirty="0"/>
+          </a:p>
+        </p:txBody>
+      </p:sp>
+      <p:sp>
+        <p:nvSpPr>
+          <p:cNvPr id="4" name="Date Placeholder 3"/>
+          <p:cNvSpPr>
+            <a:spLocks noGrp="1"/>
+          </p:cNvSpPr>
+          <p:nvPr>
+            <p:ph type="dt" sz="half" idx="2"/>
+          </p:nvPr>
+        </p:nvSpPr>
+        <p:spPr/>
+        <p:txBody>
+          <a:bodyPr/>
+          <a:lstStyle/>
+          <a:p>
+            <a:fld id="{CD911897-AAF5-9F48-8CFE-C7A0C3E8F556}" type="datetime1">
+              <a:rPr lang="en-US" smtClean="0"/>
+              <a:pPr/>
+              <a:t>3/22/2017</a:t>
             </a:fld>
             <a:endParaRPr lang="en-US" dirty="0"/>
           </a:p>
@@ -15992,236 +16195,6 @@
 </p:sld>
 </file>
 
-<file path=ppt/slides/slide29.xml><?xml version="1.0" encoding="utf-8"?>
-<p:sld xmlns:a="http://schemas.openxmlformats.org/drawingml/2006/main" xmlns:r="http://schemas.openxmlformats.org/officeDocument/2006/relationships" xmlns:p="http://schemas.openxmlformats.org/presentationml/2006/main">
-  <p:cSld>
-    <p:spTree>
-      <p:nvGrpSpPr>
-        <p:cNvPr id="1" name=""/>
-        <p:cNvGrpSpPr/>
-        <p:nvPr/>
-      </p:nvGrpSpPr>
-      <p:grpSpPr>
-        <a:xfrm>
-          <a:off x="0" y="0"/>
-          <a:ext cx="0" cy="0"/>
-          <a:chOff x="0" y="0"/>
-          <a:chExt cx="0" cy="0"/>
-        </a:xfrm>
-      </p:grpSpPr>
-      <p:sp>
-        <p:nvSpPr>
-          <p:cNvPr id="2" name="Slide Number Placeholder 1"/>
-          <p:cNvSpPr>
-            <a:spLocks noGrp="1"/>
-          </p:cNvSpPr>
-          <p:nvPr>
-            <p:ph type="sldNum" sz="quarter" idx="4"/>
-          </p:nvPr>
-        </p:nvSpPr>
-        <p:spPr/>
-        <p:txBody>
-          <a:bodyPr/>
-          <a:lstStyle/>
-          <a:p>
-            <a:fld id="{64A8A213-8E92-D94A-82D7-8578C89CAF17}" type="slidenum">
-              <a:rPr lang="en-US" smtClean="0"/>
-              <a:pPr/>
-              <a:t>29</a:t>
-            </a:fld>
-            <a:endParaRPr lang="en-US" dirty="0"/>
-          </a:p>
-        </p:txBody>
-      </p:sp>
-      <p:sp>
-        <p:nvSpPr>
-          <p:cNvPr id="3" name="Date Placeholder 2"/>
-          <p:cNvSpPr>
-            <a:spLocks noGrp="1"/>
-          </p:cNvSpPr>
-          <p:nvPr>
-            <p:ph type="dt" sz="half" idx="2"/>
-          </p:nvPr>
-        </p:nvSpPr>
-        <p:spPr/>
-        <p:txBody>
-          <a:bodyPr/>
-          <a:lstStyle/>
-          <a:p>
-            <a:fld id="{CD911897-AAF5-9F48-8CFE-C7A0C3E8F556}" type="datetime1">
-              <a:rPr lang="en-US" smtClean="0"/>
-              <a:pPr/>
-              <a:t>3/21/2017</a:t>
-            </a:fld>
-            <a:endParaRPr lang="en-US" dirty="0"/>
-          </a:p>
-        </p:txBody>
-      </p:sp>
-      <p:sp>
-        <p:nvSpPr>
-          <p:cNvPr id="6" name="Text Placeholder 5"/>
-          <p:cNvSpPr>
-            <a:spLocks noGrp="1"/>
-          </p:cNvSpPr>
-          <p:nvPr>
-            <p:ph type="body" sz="quarter" idx="11"/>
-          </p:nvPr>
-        </p:nvSpPr>
-        <p:spPr/>
-        <p:txBody>
-          <a:bodyPr/>
-          <a:lstStyle/>
-          <a:p>
-            <a:r>
-              <a:rPr lang="en-US" dirty="0"/>
-              <a:t>Notices and disclaimers</a:t>
-            </a:r>
-          </a:p>
-          <a:p>
-            <a:endParaRPr lang="en-US" dirty="0"/>
-          </a:p>
-        </p:txBody>
-      </p:sp>
-      <p:sp>
-        <p:nvSpPr>
-          <p:cNvPr id="7" name="Text Placeholder 6"/>
-          <p:cNvSpPr>
-            <a:spLocks noGrp="1"/>
-          </p:cNvSpPr>
-          <p:nvPr>
-            <p:ph type="body" sz="quarter" idx="13"/>
-          </p:nvPr>
-        </p:nvSpPr>
-        <p:spPr>
-          <a:xfrm>
-            <a:off x="266701" y="1121939"/>
-            <a:ext cx="10909300" cy="4616579"/>
-          </a:xfrm>
-        </p:spPr>
-        <p:txBody>
-          <a:bodyPr/>
-          <a:lstStyle/>
-          <a:p>
-            <a:r>
-              <a:rPr lang="en-US" sz="1200" dirty="0"/>
-              <a:t>Copyright © 2017 by International Business Machines Corporation (IBM). No part of this document may be reproduced or transmitted in any form without written permission from IBM.</a:t>
-            </a:r>
-          </a:p>
-          <a:p>
-            <a:r>
-              <a:rPr lang="en-US" sz="1200" b="1" dirty="0"/>
-              <a:t>U.S. Government Users Restricted Rights — use, duplication or disclosure restricted by GSA ADP Schedule Contract with IBM.</a:t>
-            </a:r>
-          </a:p>
-          <a:p>
-            <a:r>
-              <a:rPr lang="en-US" sz="1200" dirty="0"/>
-              <a:t>Information in these presentations (including information relating to products that have not yet been announced by IBM) has been reviewed for accuracy as of the date of initial publication and could include unintentional technical or typographical errors. IBM shall have no responsibility to update this information. </a:t>
-            </a:r>
-            <a:r>
-              <a:rPr lang="en-US" sz="1200" b="1" dirty="0"/>
-              <a:t>This document is distributed “as is” without any warranty, either express or implied. In no event shall IBM be liable for any damage arising from the use of this information, including but not limited to, loss of data, business interruption, loss of profit or loss of opportunity. </a:t>
-            </a:r>
-            <a:r>
-              <a:rPr lang="en-US" sz="1200" dirty="0"/>
-              <a:t>IBM products and services are warranted according to the terms and conditions of the agreements under which they are provided.</a:t>
-            </a:r>
-          </a:p>
-          <a:p>
-            <a:r>
-              <a:rPr lang="en-US" sz="1200" dirty="0"/>
-              <a:t>IBM products are manufactured from new parts or new and used parts. </a:t>
-            </a:r>
-            <a:br>
-              <a:rPr lang="en-US" sz="1200" dirty="0"/>
-            </a:br>
-            <a:r>
-              <a:rPr lang="en-US" sz="1200" dirty="0"/>
-              <a:t>In some cases, a product may not be new and may have been previously installed. Regardless, our warranty terms apply.”</a:t>
-            </a:r>
-          </a:p>
-          <a:p>
-            <a:r>
-              <a:rPr lang="en-US" sz="1200" b="1" dirty="0"/>
-              <a:t>Any statements regarding IBM's future direction, intent or product plans are subject to change or withdrawal without notice.</a:t>
-            </a:r>
-          </a:p>
-          <a:p>
-            <a:r>
-              <a:rPr lang="en-US" sz="1200" dirty="0"/>
-              <a:t>Performance data contained herein was generally obtained in a controlled, isolated environments. Customer examples are presented </a:t>
-            </a:r>
-            <a:br>
-              <a:rPr lang="en-US" sz="1200" dirty="0"/>
-            </a:br>
-            <a:r>
-              <a:rPr lang="en-US" sz="1200" dirty="0"/>
-              <a:t>as illustrations of how those customers have used IBM products and </a:t>
-            </a:r>
-            <a:br>
-              <a:rPr lang="en-US" sz="1200" dirty="0"/>
-            </a:br>
-            <a:r>
-              <a:rPr lang="en-US" sz="1200" dirty="0"/>
-              <a:t>the results they may have achieved. Actual performance, cost, savings or other results in other operating environments may vary. </a:t>
-            </a:r>
-          </a:p>
-          <a:p>
-            <a:r>
-              <a:rPr lang="en-US" sz="1200" dirty="0"/>
-              <a:t>References in this document to IBM products, programs, or services does not imply that IBM intends to make such products, programs or services available in all countries in which IBM operates or does business. </a:t>
-            </a:r>
-          </a:p>
-          <a:p>
-            <a:r>
-              <a:rPr lang="en-US" sz="1200" dirty="0"/>
-              <a:t>Workshops, sessions and associated materials may have been prepared  by independent session speakers, and do not necessarily reflect the </a:t>
-            </a:r>
-            <a:br>
-              <a:rPr lang="en-US" sz="1200" dirty="0"/>
-            </a:br>
-            <a:r>
-              <a:rPr lang="en-US" sz="1200" dirty="0"/>
-              <a:t>views of IBM. All materials and discussions are provided for informational purposes only, and are neither intended to, nor shall constitute legal or other guidance or advice to any individual participant or their specific situation.</a:t>
-            </a:r>
-          </a:p>
-          <a:p>
-            <a:r>
-              <a:rPr lang="en-US" sz="1200" dirty="0"/>
-              <a:t>It is the customer’s responsibility to insure its own compliance with legal requirements and to obtain advice of competent legal counsel as to the identification and interpretation of any relevant laws and regulatory requirements that may affect the customer’s business and any actions</a:t>
-            </a:r>
-            <a:br>
-              <a:rPr lang="en-US" sz="1200" dirty="0"/>
-            </a:br>
-            <a:r>
-              <a:rPr lang="en-US" sz="1200" dirty="0"/>
-              <a:t> the customer may need to take to comply with such laws. IBM does not provide legal advice or represent or warrant that its services or products will ensure that the customer is in compliance with any law.</a:t>
-            </a:r>
-          </a:p>
-          <a:p>
-            <a:endParaRPr lang="en-US" sz="1200" b="1" dirty="0"/>
-          </a:p>
-          <a:p>
-            <a:endParaRPr lang="en-US" sz="1200" dirty="0"/>
-          </a:p>
-          <a:p>
-            <a:endParaRPr lang="en-US" sz="1200" dirty="0"/>
-          </a:p>
-        </p:txBody>
-      </p:sp>
-    </p:spTree>
-    <p:extLst>
-      <p:ext uri="{BB962C8B-B14F-4D97-AF65-F5344CB8AC3E}">
-        <p14:creationId xmlns:p14="http://schemas.microsoft.com/office/powerpoint/2010/main" val="1460448593"/>
-      </p:ext>
-    </p:extLst>
-  </p:cSld>
-  <p:clrMapOvr>
-    <a:masterClrMapping/>
-  </p:clrMapOvr>
-</p:sld>
-</file>
-
 <file path=ppt/slides/slide3.xml><?xml version="1.0" encoding="utf-8"?>
 <p:sld xmlns:a="http://schemas.openxmlformats.org/drawingml/2006/main" xmlns:r="http://schemas.openxmlformats.org/officeDocument/2006/relationships" xmlns:p="http://schemas.openxmlformats.org/presentationml/2006/main">
   <p:cSld>
@@ -16311,7 +16284,7 @@
             <a:fld id="{CD911897-AAF5-9F48-8CFE-C7A0C3E8F556}" type="datetime1">
               <a:rPr lang="en-US" smtClean="0"/>
               <a:pPr/>
-              <a:t>3/21/2017</a:t>
+              <a:t>3/22/2017</a:t>
             </a:fld>
             <a:endParaRPr lang="en-US" dirty="0"/>
           </a:p>
@@ -16389,7 +16362,237 @@
             <a:fld id="{CD911897-AAF5-9F48-8CFE-C7A0C3E8F556}" type="datetime1">
               <a:rPr lang="en-US" smtClean="0"/>
               <a:pPr/>
-              <a:t>3/21/2017</a:t>
+              <a:t>3/22/2017</a:t>
+            </a:fld>
+            <a:endParaRPr lang="en-US" dirty="0"/>
+          </a:p>
+        </p:txBody>
+      </p:sp>
+      <p:sp>
+        <p:nvSpPr>
+          <p:cNvPr id="6" name="Text Placeholder 5"/>
+          <p:cNvSpPr>
+            <a:spLocks noGrp="1"/>
+          </p:cNvSpPr>
+          <p:nvPr>
+            <p:ph type="body" sz="quarter" idx="11"/>
+          </p:nvPr>
+        </p:nvSpPr>
+        <p:spPr/>
+        <p:txBody>
+          <a:bodyPr/>
+          <a:lstStyle/>
+          <a:p>
+            <a:r>
+              <a:rPr lang="en-US" dirty="0"/>
+              <a:t>Notices and disclaimers</a:t>
+            </a:r>
+          </a:p>
+          <a:p>
+            <a:endParaRPr lang="en-US" dirty="0"/>
+          </a:p>
+        </p:txBody>
+      </p:sp>
+      <p:sp>
+        <p:nvSpPr>
+          <p:cNvPr id="7" name="Text Placeholder 6"/>
+          <p:cNvSpPr>
+            <a:spLocks noGrp="1"/>
+          </p:cNvSpPr>
+          <p:nvPr>
+            <p:ph type="body" sz="quarter" idx="13"/>
+          </p:nvPr>
+        </p:nvSpPr>
+        <p:spPr>
+          <a:xfrm>
+            <a:off x="266701" y="1121939"/>
+            <a:ext cx="10909300" cy="4616579"/>
+          </a:xfrm>
+        </p:spPr>
+        <p:txBody>
+          <a:bodyPr/>
+          <a:lstStyle/>
+          <a:p>
+            <a:r>
+              <a:rPr lang="en-US" sz="1200" dirty="0"/>
+              <a:t>Copyright © 2017 by International Business Machines Corporation (IBM). No part of this document may be reproduced or transmitted in any form without written permission from IBM.</a:t>
+            </a:r>
+          </a:p>
+          <a:p>
+            <a:r>
+              <a:rPr lang="en-US" sz="1200" b="1" dirty="0"/>
+              <a:t>U.S. Government Users Restricted Rights — use, duplication or disclosure restricted by GSA ADP Schedule Contract with IBM.</a:t>
+            </a:r>
+          </a:p>
+          <a:p>
+            <a:r>
+              <a:rPr lang="en-US" sz="1200" dirty="0"/>
+              <a:t>Information in these presentations (including information relating to products that have not yet been announced by IBM) has been reviewed for accuracy as of the date of initial publication and could include unintentional technical or typographical errors. IBM shall have no responsibility to update this information. </a:t>
+            </a:r>
+            <a:r>
+              <a:rPr lang="en-US" sz="1200" b="1" dirty="0"/>
+              <a:t>This document is distributed “as is” without any warranty, either express or implied. In no event shall IBM be liable for any damage arising from the use of this information, including but not limited to, loss of data, business interruption, loss of profit or loss of opportunity. </a:t>
+            </a:r>
+            <a:r>
+              <a:rPr lang="en-US" sz="1200" dirty="0"/>
+              <a:t>IBM products and services are warranted according to the terms and conditions of the agreements under which they are provided.</a:t>
+            </a:r>
+          </a:p>
+          <a:p>
+            <a:r>
+              <a:rPr lang="en-US" sz="1200" dirty="0"/>
+              <a:t>IBM products are manufactured from new parts or new and used parts. </a:t>
+            </a:r>
+            <a:br>
+              <a:rPr lang="en-US" sz="1200" dirty="0"/>
+            </a:br>
+            <a:r>
+              <a:rPr lang="en-US" sz="1200" dirty="0"/>
+              <a:t>In some cases, a product may not be new and may have been previously installed. Regardless, our warranty terms apply.”</a:t>
+            </a:r>
+          </a:p>
+          <a:p>
+            <a:r>
+              <a:rPr lang="en-US" sz="1200" b="1" dirty="0"/>
+              <a:t>Any statements regarding IBM's future direction, intent or product plans are subject to change or withdrawal without notice.</a:t>
+            </a:r>
+          </a:p>
+          <a:p>
+            <a:r>
+              <a:rPr lang="en-US" sz="1200" dirty="0"/>
+              <a:t>Performance data contained herein was generally obtained in a controlled, isolated environments. Customer examples are presented </a:t>
+            </a:r>
+            <a:br>
+              <a:rPr lang="en-US" sz="1200" dirty="0"/>
+            </a:br>
+            <a:r>
+              <a:rPr lang="en-US" sz="1200" dirty="0"/>
+              <a:t>as illustrations of how those customers have used IBM products and </a:t>
+            </a:r>
+            <a:br>
+              <a:rPr lang="en-US" sz="1200" dirty="0"/>
+            </a:br>
+            <a:r>
+              <a:rPr lang="en-US" sz="1200" dirty="0"/>
+              <a:t>the results they may have achieved. Actual performance, cost, savings or other results in other operating environments may vary. </a:t>
+            </a:r>
+          </a:p>
+          <a:p>
+            <a:r>
+              <a:rPr lang="en-US" sz="1200" dirty="0"/>
+              <a:t>References in this document to IBM products, programs, or services does not imply that IBM intends to make such products, programs or services available in all countries in which IBM operates or does business. </a:t>
+            </a:r>
+          </a:p>
+          <a:p>
+            <a:r>
+              <a:rPr lang="en-US" sz="1200" dirty="0"/>
+              <a:t>Workshops, sessions and associated materials may have been prepared  by independent session speakers, and do not necessarily reflect the </a:t>
+            </a:r>
+            <a:br>
+              <a:rPr lang="en-US" sz="1200" dirty="0"/>
+            </a:br>
+            <a:r>
+              <a:rPr lang="en-US" sz="1200" dirty="0"/>
+              <a:t>views of IBM. All materials and discussions are provided for informational purposes only, and are neither intended to, nor shall constitute legal or other guidance or advice to any individual participant or their specific situation.</a:t>
+            </a:r>
+          </a:p>
+          <a:p>
+            <a:r>
+              <a:rPr lang="en-US" sz="1200" dirty="0"/>
+              <a:t>It is the customer’s responsibility to insure its own compliance with legal requirements and to obtain advice of competent legal counsel as to the identification and interpretation of any relevant laws and regulatory requirements that may affect the customer’s business and any actions</a:t>
+            </a:r>
+            <a:br>
+              <a:rPr lang="en-US" sz="1200" dirty="0"/>
+            </a:br>
+            <a:r>
+              <a:rPr lang="en-US" sz="1200" dirty="0"/>
+              <a:t> the customer may need to take to comply with such laws. IBM does not provide legal advice or represent or warrant that its services or products will ensure that the customer is in compliance with any law.</a:t>
+            </a:r>
+          </a:p>
+          <a:p>
+            <a:endParaRPr lang="en-US" sz="1200" b="1" dirty="0"/>
+          </a:p>
+          <a:p>
+            <a:endParaRPr lang="en-US" sz="1200" dirty="0"/>
+          </a:p>
+          <a:p>
+            <a:endParaRPr lang="en-US" sz="1200" dirty="0"/>
+          </a:p>
+        </p:txBody>
+      </p:sp>
+    </p:spTree>
+    <p:extLst>
+      <p:ext uri="{BB962C8B-B14F-4D97-AF65-F5344CB8AC3E}">
+        <p14:creationId xmlns:p14="http://schemas.microsoft.com/office/powerpoint/2010/main" val="1460448593"/>
+      </p:ext>
+    </p:extLst>
+  </p:cSld>
+  <p:clrMapOvr>
+    <a:masterClrMapping/>
+  </p:clrMapOvr>
+</p:sld>
+</file>
+
+<file path=ppt/slides/slide31.xml><?xml version="1.0" encoding="utf-8"?>
+<p:sld xmlns:a="http://schemas.openxmlformats.org/drawingml/2006/main" xmlns:r="http://schemas.openxmlformats.org/officeDocument/2006/relationships" xmlns:p="http://schemas.openxmlformats.org/presentationml/2006/main">
+  <p:cSld>
+    <p:spTree>
+      <p:nvGrpSpPr>
+        <p:cNvPr id="1" name=""/>
+        <p:cNvGrpSpPr/>
+        <p:nvPr/>
+      </p:nvGrpSpPr>
+      <p:grpSpPr>
+        <a:xfrm>
+          <a:off x="0" y="0"/>
+          <a:ext cx="0" cy="0"/>
+          <a:chOff x="0" y="0"/>
+          <a:chExt cx="0" cy="0"/>
+        </a:xfrm>
+      </p:grpSpPr>
+      <p:sp>
+        <p:nvSpPr>
+          <p:cNvPr id="2" name="Slide Number Placeholder 1"/>
+          <p:cNvSpPr>
+            <a:spLocks noGrp="1"/>
+          </p:cNvSpPr>
+          <p:nvPr>
+            <p:ph type="sldNum" sz="quarter" idx="4"/>
+          </p:nvPr>
+        </p:nvSpPr>
+        <p:spPr/>
+        <p:txBody>
+          <a:bodyPr/>
+          <a:lstStyle/>
+          <a:p>
+            <a:fld id="{64A8A213-8E92-D94A-82D7-8578C89CAF17}" type="slidenum">
+              <a:rPr lang="en-US" smtClean="0"/>
+              <a:pPr/>
+              <a:t>31</a:t>
+            </a:fld>
+            <a:endParaRPr lang="en-US" dirty="0"/>
+          </a:p>
+        </p:txBody>
+      </p:sp>
+      <p:sp>
+        <p:nvSpPr>
+          <p:cNvPr id="3" name="Date Placeholder 2"/>
+          <p:cNvSpPr>
+            <a:spLocks noGrp="1"/>
+          </p:cNvSpPr>
+          <p:nvPr>
+            <p:ph type="dt" sz="half" idx="2"/>
+          </p:nvPr>
+        </p:nvSpPr>
+        <p:spPr/>
+        <p:txBody>
+          <a:bodyPr/>
+          <a:lstStyle/>
+          <a:p>
+            <a:fld id="{CD911897-AAF5-9F48-8CFE-C7A0C3E8F556}" type="datetime1">
+              <a:rPr lang="en-US" smtClean="0"/>
+              <a:pPr/>
+              <a:t>3/22/2017</a:t>
             </a:fld>
             <a:endParaRPr lang="en-US" dirty="0"/>
           </a:p>
@@ -16796,7 +16999,7 @@
 </p:sld>
 </file>
 
-<file path=ppt/slides/slide31.xml><?xml version="1.0" encoding="utf-8"?>
+<file path=ppt/slides/slide32.xml><?xml version="1.0" encoding="utf-8"?>
 <p:sld xmlns:a="http://schemas.openxmlformats.org/drawingml/2006/main" xmlns:r="http://schemas.openxmlformats.org/officeDocument/2006/relationships" xmlns:p="http://schemas.openxmlformats.org/presentationml/2006/main">
   <p:cSld>
     <p:spTree>
@@ -16850,7 +17053,7 @@
             <a:fld id="{64A8A213-8E92-D94A-82D7-8578C89CAF17}" type="slidenum">
               <a:rPr lang="en-US" smtClean="0"/>
               <a:pPr/>
-              <a:t>31</a:t>
+              <a:t>32</a:t>
             </a:fld>
             <a:endParaRPr lang="en-US" dirty="0"/>
           </a:p>
@@ -16874,7 +17077,7 @@
             <a:fld id="{CD911897-AAF5-9F48-8CFE-C7A0C3E8F556}" type="datetime1">
               <a:rPr lang="en-US" smtClean="0"/>
               <a:pPr/>
-              <a:t>3/21/2017</a:t>
+              <a:t>3/22/2017</a:t>
             </a:fld>
             <a:endParaRPr lang="en-US" dirty="0"/>
           </a:p>
@@ -16952,7 +17155,7 @@
             <a:fld id="{CD911897-AAF5-9F48-8CFE-C7A0C3E8F556}" type="datetime1">
               <a:rPr lang="en-US" smtClean="0"/>
               <a:pPr/>
-              <a:t>3/21/2017</a:t>
+              <a:t>3/22/2017</a:t>
             </a:fld>
             <a:endParaRPr lang="en-US" dirty="0"/>
           </a:p>
@@ -17507,7 +17710,7 @@
             <a:fld id="{CD911897-AAF5-9F48-8CFE-C7A0C3E8F556}" type="datetime1">
               <a:rPr lang="en-US" smtClean="0"/>
               <a:pPr/>
-              <a:t>3/21/2017</a:t>
+              <a:t>3/22/2017</a:t>
             </a:fld>
             <a:endParaRPr lang="en-US" dirty="0"/>
           </a:p>
@@ -17585,7 +17788,7 @@
             <a:fld id="{CD911897-AAF5-9F48-8CFE-C7A0C3E8F556}" type="datetime1">
               <a:rPr lang="en-US" smtClean="0"/>
               <a:pPr/>
-              <a:t>3/21/2017</a:t>
+              <a:t>3/22/2017</a:t>
             </a:fld>
             <a:endParaRPr lang="en-US" dirty="0"/>
           </a:p>
@@ -17918,7 +18121,7 @@
             <a:fld id="{CD911897-AAF5-9F48-8CFE-C7A0C3E8F556}" type="datetime1">
               <a:rPr lang="en-US" smtClean="0"/>
               <a:pPr/>
-              <a:t>3/21/2017</a:t>
+              <a:t>3/22/2017</a:t>
             </a:fld>
             <a:endParaRPr lang="en-US" dirty="0"/>
           </a:p>
@@ -18024,7 +18227,7 @@
             <a:fld id="{CD911897-AAF5-9F48-8CFE-C7A0C3E8F556}" type="datetime1">
               <a:rPr lang="en-US" smtClean="0"/>
               <a:pPr/>
-              <a:t>3/21/2017</a:t>
+              <a:t>3/22/2017</a:t>
             </a:fld>
             <a:endParaRPr lang="en-US" dirty="0"/>
           </a:p>
@@ -18549,7 +18752,7 @@
             <a:fld id="{CD911897-AAF5-9F48-8CFE-C7A0C3E8F556}" type="datetime1">
               <a:rPr lang="en-US" smtClean="0"/>
               <a:pPr/>
-              <a:t>3/21/2017</a:t>
+              <a:t>3/22/2017</a:t>
             </a:fld>
             <a:endParaRPr lang="en-US" dirty="0"/>
           </a:p>
